--- a/trunk/Documents/G52GRP.gp09.exo.Presentation.pptx
+++ b/trunk/Documents/G52GRP.gp09.exo.Presentation.pptx
@@ -7338,7 +7338,7 @@
                             </p:stCondLst>
                             <p:childTnLst>
                               <p:par>
-                                <p:cTn id="27" presetID="2" presetClass="exit" presetSubtype="8" accel="50000" decel="50000" fill="hold" nodeType="clickEffect">
+                                <p:cTn id="27" presetID="2" presetClass="exit" presetSubtype="4" accel="50000" decel="50000" fill="hold" nodeType="clickEffect">
                                   <p:stCondLst>
                                     <p:cond delay="0"/>
                                   </p:stCondLst>
@@ -7361,7 +7361,7 @@
                                         </p:tav>
                                         <p:tav tm="100000">
                                           <p:val>
-                                            <p:strVal val="0-ppt_w/2"/>
+                                            <p:strVal val="ppt_x"/>
                                           </p:val>
                                         </p:tav>
                                       </p:tavLst>
@@ -7384,7 +7384,7 @@
                                         </p:tav>
                                         <p:tav tm="100000">
                                           <p:val>
-                                            <p:strVal val="ppt_y"/>
+                                            <p:strVal val="1+ppt_h/2"/>
                                           </p:val>
                                         </p:tav>
                                       </p:tavLst>
@@ -7410,15 +7410,33 @@
                                   </p:childTnLst>
                                 </p:cTn>
                               </p:par>
+                            </p:childTnLst>
+                          </p:cTn>
+                        </p:par>
+                      </p:childTnLst>
+                    </p:cTn>
+                  </p:par>
+                  <p:par>
+                    <p:cTn id="31" fill="hold">
+                      <p:stCondLst>
+                        <p:cond delay="indefinite"/>
+                      </p:stCondLst>
+                      <p:childTnLst>
+                        <p:par>
+                          <p:cTn id="32" fill="hold">
+                            <p:stCondLst>
+                              <p:cond delay="0"/>
+                            </p:stCondLst>
+                            <p:childTnLst>
                               <p:par>
-                                <p:cTn id="31" presetID="2" presetClass="exit" presetSubtype="8" accel="50000" decel="50000" fill="hold" nodeType="withEffect">
+                                <p:cTn id="33" presetID="2" presetClass="exit" presetSubtype="8" accel="50000" decel="50000" fill="hold" nodeType="clickEffect">
                                   <p:stCondLst>
                                     <p:cond delay="0"/>
                                   </p:stCondLst>
                                   <p:childTnLst>
                                     <p:anim calcmode="lin" valueType="num">
                                       <p:cBhvr additive="base">
-                                        <p:cTn id="32" dur="500"/>
+                                        <p:cTn id="34" dur="500"/>
                                         <p:tgtEl>
                                           <p:spTgt spid="5"/>
                                         </p:tgtEl>
@@ -7441,7 +7459,7 @@
                                     </p:anim>
                                     <p:anim calcmode="lin" valueType="num">
                                       <p:cBhvr additive="base">
-                                        <p:cTn id="33" dur="500"/>
+                                        <p:cTn id="35" dur="500"/>
                                         <p:tgtEl>
                                           <p:spTgt spid="5"/>
                                         </p:tgtEl>
@@ -7464,7 +7482,7 @@
                                     </p:anim>
                                     <p:set>
                                       <p:cBhvr>
-                                        <p:cTn id="34" dur="1" fill="hold">
+                                        <p:cTn id="36" dur="1" fill="hold">
                                           <p:stCondLst>
                                             <p:cond delay="499"/>
                                           </p:stCondLst>
